--- a/3-1 Git Workflow.pptx
+++ b/3-1 Git Workflow.pptx
@@ -5,11 +5,13 @@
     <p:sldMasterId id="2147483660" r:id="rId1"/>
   </p:sldMasterIdLst>
   <p:notesMasterIdLst>
-    <p:notesMasterId r:id="rId4"/>
+    <p:notesMasterId r:id="rId6"/>
   </p:notesMasterIdLst>
   <p:sldIdLst>
     <p:sldId id="256" r:id="rId2"/>
     <p:sldId id="273" r:id="rId3"/>
+    <p:sldId id="274" r:id="rId4"/>
+    <p:sldId id="275" r:id="rId5"/>
   </p:sldIdLst>
   <p:sldSz cx="12192000" cy="6858000"/>
   <p:notesSz cx="6858000" cy="9144000"/>
@@ -202,7 +204,7 @@
           <a:p>
             <a:fld id="{82604E9E-60DE-417E-849E-2CDE7F357628}" type="datetimeFigureOut">
               <a:rPr lang="en-US" smtClean="0"/>
-              <a:t>7/25/2017</a:t>
+              <a:t>7/27/2017</a:t>
             </a:fld>
             <a:endParaRPr lang="en-US"/>
           </a:p>
@@ -554,6 +556,575 @@
 </p:notes>
 </file>
 
+<file path=ppt/notesSlides/notesSlide2.xml><?xml version="1.0" encoding="utf-8"?>
+<p:notes xmlns:a="http://schemas.openxmlformats.org/drawingml/2006/main" xmlns:r="http://schemas.openxmlformats.org/officeDocument/2006/relationships" xmlns:p="http://schemas.openxmlformats.org/presentationml/2006/main">
+  <p:cSld>
+    <p:spTree>
+      <p:nvGrpSpPr>
+        <p:cNvPr id="1" name=""/>
+        <p:cNvGrpSpPr/>
+        <p:nvPr/>
+      </p:nvGrpSpPr>
+      <p:grpSpPr>
+        <a:xfrm>
+          <a:off x="0" y="0"/>
+          <a:ext cx="0" cy="0"/>
+          <a:chOff x="0" y="0"/>
+          <a:chExt cx="0" cy="0"/>
+        </a:xfrm>
+      </p:grpSpPr>
+      <p:sp>
+        <p:nvSpPr>
+          <p:cNvPr id="2" name="슬라이드 이미지 개체 틀 1"/>
+          <p:cNvSpPr>
+            <a:spLocks noGrp="1" noRot="1" noChangeAspect="1"/>
+          </p:cNvSpPr>
+          <p:nvPr>
+            <p:ph type="sldImg"/>
+          </p:nvPr>
+        </p:nvSpPr>
+        <p:spPr/>
+      </p:sp>
+      <p:sp>
+        <p:nvSpPr>
+          <p:cNvPr id="3" name="슬라이드 노트 개체 틀 2"/>
+          <p:cNvSpPr>
+            <a:spLocks noGrp="1"/>
+          </p:cNvSpPr>
+          <p:nvPr>
+            <p:ph type="body" idx="1"/>
+          </p:nvPr>
+        </p:nvSpPr>
+        <p:spPr/>
+        <p:txBody>
+          <a:bodyPr/>
+          <a:lstStyle/>
+          <a:p>
+            <a:endParaRPr lang="en-US" dirty="0"/>
+          </a:p>
+        </p:txBody>
+      </p:sp>
+      <p:sp>
+        <p:nvSpPr>
+          <p:cNvPr id="4" name="슬라이드 번호 개체 틀 3"/>
+          <p:cNvSpPr>
+            <a:spLocks noGrp="1"/>
+          </p:cNvSpPr>
+          <p:nvPr>
+            <p:ph type="sldNum" sz="quarter" idx="10"/>
+          </p:nvPr>
+        </p:nvSpPr>
+        <p:spPr/>
+        <p:txBody>
+          <a:bodyPr/>
+          <a:lstStyle/>
+          <a:p>
+            <a:fld id="{772745C2-B5F1-4B10-8C0E-DEBCE2EB7236}" type="slidenum">
+              <a:rPr lang="en-US" smtClean="0"/>
+              <a:t>2</a:t>
+            </a:fld>
+            <a:endParaRPr lang="en-US"/>
+          </a:p>
+        </p:txBody>
+      </p:sp>
+    </p:spTree>
+    <p:extLst>
+      <p:ext uri="{BB962C8B-B14F-4D97-AF65-F5344CB8AC3E}">
+        <p14:creationId xmlns:p14="http://schemas.microsoft.com/office/powerpoint/2010/main" val="3625009674"/>
+      </p:ext>
+    </p:extLst>
+  </p:cSld>
+  <p:clrMapOvr>
+    <a:masterClrMapping/>
+  </p:clrMapOvr>
+</p:notes>
+</file>
+
+<file path=ppt/notesSlides/notesSlide3.xml><?xml version="1.0" encoding="utf-8"?>
+<p:notes xmlns:a="http://schemas.openxmlformats.org/drawingml/2006/main" xmlns:r="http://schemas.openxmlformats.org/officeDocument/2006/relationships" xmlns:p="http://schemas.openxmlformats.org/presentationml/2006/main">
+  <p:cSld>
+    <p:spTree>
+      <p:nvGrpSpPr>
+        <p:cNvPr id="1" name=""/>
+        <p:cNvGrpSpPr/>
+        <p:nvPr/>
+      </p:nvGrpSpPr>
+      <p:grpSpPr>
+        <a:xfrm>
+          <a:off x="0" y="0"/>
+          <a:ext cx="0" cy="0"/>
+          <a:chOff x="0" y="0"/>
+          <a:chExt cx="0" cy="0"/>
+        </a:xfrm>
+      </p:grpSpPr>
+      <p:sp>
+        <p:nvSpPr>
+          <p:cNvPr id="2" name="슬라이드 이미지 개체 틀 1"/>
+          <p:cNvSpPr>
+            <a:spLocks noGrp="1" noRot="1" noChangeAspect="1"/>
+          </p:cNvSpPr>
+          <p:nvPr>
+            <p:ph type="sldImg"/>
+          </p:nvPr>
+        </p:nvSpPr>
+        <p:spPr/>
+      </p:sp>
+      <p:sp>
+        <p:nvSpPr>
+          <p:cNvPr id="3" name="슬라이드 노트 개체 틀 2"/>
+          <p:cNvSpPr>
+            <a:spLocks noGrp="1"/>
+          </p:cNvSpPr>
+          <p:nvPr>
+            <p:ph type="body" idx="1"/>
+          </p:nvPr>
+        </p:nvSpPr>
+        <p:spPr/>
+        <p:txBody>
+          <a:bodyPr/>
+          <a:lstStyle/>
+          <a:p>
+            <a:pPr marL="0" marR="0" lvl="0" indent="0" algn="l" defTabSz="914400" rtl="0" eaLnBrk="1" fontAlgn="auto" latinLnBrk="0" hangingPunct="1">
+              <a:lnSpc>
+                <a:spcPct val="100000"/>
+              </a:lnSpc>
+              <a:spcBef>
+                <a:spcPts val="0"/>
+              </a:spcBef>
+              <a:spcAft>
+                <a:spcPts val="0"/>
+              </a:spcAft>
+              <a:buClrTx/>
+              <a:buSzTx/>
+              <a:buFontTx/>
+              <a:buNone/>
+              <a:tabLst/>
+              <a:defRPr/>
+            </a:pPr>
+            <a:r>
+              <a:rPr lang="en-US" dirty="0"/>
+              <a:t>https://stackoverflow.com/documentation/git/1276/analyzing-types-of-workflows#t=201707110022243576162</a:t>
+            </a:r>
+          </a:p>
+          <a:p>
+            <a:pPr fontAlgn="base"/>
+            <a:r>
+              <a:rPr lang="en-US" sz="1200" b="0" i="0" kern="1200" dirty="0">
+                <a:solidFill>
+                  <a:schemeClr val="tx1"/>
+                </a:solidFill>
+                <a:effectLst/>
+                <a:latin typeface="+mn-lt"/>
+                <a:ea typeface="+mn-ea"/>
+                <a:cs typeface="+mn-cs"/>
+              </a:rPr>
+              <a:t>The idea of this one is to have separate branches reserved for specific parts in development:</a:t>
+            </a:r>
+          </a:p>
+          <a:p>
+            <a:pPr fontAlgn="base"/>
+            <a:r>
+              <a:rPr lang="en-US" sz="1200" b="1" i="0" kern="1200" dirty="0">
+                <a:solidFill>
+                  <a:schemeClr val="tx1"/>
+                </a:solidFill>
+                <a:effectLst/>
+                <a:latin typeface="+mn-lt"/>
+                <a:ea typeface="+mn-ea"/>
+                <a:cs typeface="+mn-cs"/>
+              </a:rPr>
+              <a:t>master</a:t>
+            </a:r>
+            <a:r>
+              <a:rPr lang="en-US" sz="1200" b="0" i="0" kern="1200" dirty="0">
+                <a:solidFill>
+                  <a:schemeClr val="tx1"/>
+                </a:solidFill>
+                <a:effectLst/>
+                <a:latin typeface="+mn-lt"/>
+                <a:ea typeface="+mn-ea"/>
+                <a:cs typeface="+mn-cs"/>
+              </a:rPr>
+              <a:t> branch is always the most recent </a:t>
+            </a:r>
+            <a:r>
+              <a:rPr lang="en-US" sz="1200" b="0" i="1" kern="1200" dirty="0">
+                <a:solidFill>
+                  <a:schemeClr val="tx1"/>
+                </a:solidFill>
+                <a:effectLst/>
+                <a:latin typeface="+mn-lt"/>
+                <a:ea typeface="+mn-ea"/>
+                <a:cs typeface="+mn-cs"/>
+              </a:rPr>
+              <a:t>production</a:t>
+            </a:r>
+            <a:r>
+              <a:rPr lang="en-US" sz="1200" b="0" i="0" kern="1200" dirty="0">
+                <a:solidFill>
+                  <a:schemeClr val="tx1"/>
+                </a:solidFill>
+                <a:effectLst/>
+                <a:latin typeface="+mn-lt"/>
+                <a:ea typeface="+mn-ea"/>
+                <a:cs typeface="+mn-cs"/>
+              </a:rPr>
+              <a:t> code. Experimental code does not belong here.</a:t>
+            </a:r>
+          </a:p>
+          <a:p>
+            <a:pPr fontAlgn="base"/>
+            <a:r>
+              <a:rPr lang="en-US" sz="1200" b="1" i="0" kern="1200" dirty="0">
+                <a:solidFill>
+                  <a:schemeClr val="tx1"/>
+                </a:solidFill>
+                <a:effectLst/>
+                <a:latin typeface="+mn-lt"/>
+                <a:ea typeface="+mn-ea"/>
+                <a:cs typeface="+mn-cs"/>
+              </a:rPr>
+              <a:t>develop</a:t>
+            </a:r>
+            <a:r>
+              <a:rPr lang="en-US" sz="1200" b="0" i="0" kern="1200" dirty="0">
+                <a:solidFill>
+                  <a:schemeClr val="tx1"/>
+                </a:solidFill>
+                <a:effectLst/>
+                <a:latin typeface="+mn-lt"/>
+                <a:ea typeface="+mn-ea"/>
+                <a:cs typeface="+mn-cs"/>
+              </a:rPr>
+              <a:t> branch contains all of the latest </a:t>
+            </a:r>
+            <a:r>
+              <a:rPr lang="en-US" sz="1200" b="0" i="1" kern="1200" dirty="0">
+                <a:solidFill>
+                  <a:schemeClr val="tx1"/>
+                </a:solidFill>
+                <a:effectLst/>
+                <a:latin typeface="+mn-lt"/>
+                <a:ea typeface="+mn-ea"/>
+                <a:cs typeface="+mn-cs"/>
+              </a:rPr>
+              <a:t>development</a:t>
+            </a:r>
+            <a:r>
+              <a:rPr lang="en-US" sz="1200" b="0" i="0" kern="1200" dirty="0">
+                <a:solidFill>
+                  <a:schemeClr val="tx1"/>
+                </a:solidFill>
+                <a:effectLst/>
+                <a:latin typeface="+mn-lt"/>
+                <a:ea typeface="+mn-ea"/>
+                <a:cs typeface="+mn-cs"/>
+              </a:rPr>
+              <a:t>. These developmental changes can be pretty much anything, but larger features are reserved for their own branches. Code here is always worked on and merged into release before release / deployment.</a:t>
+            </a:r>
+          </a:p>
+          <a:p>
+            <a:pPr fontAlgn="base"/>
+            <a:r>
+              <a:rPr lang="en-US" sz="1200" b="1" i="0" kern="1200" dirty="0">
+                <a:solidFill>
+                  <a:schemeClr val="tx1"/>
+                </a:solidFill>
+                <a:effectLst/>
+                <a:latin typeface="+mn-lt"/>
+                <a:ea typeface="+mn-ea"/>
+                <a:cs typeface="+mn-cs"/>
+              </a:rPr>
+              <a:t>hotfix</a:t>
+            </a:r>
+            <a:r>
+              <a:rPr lang="en-US" sz="1200" b="0" i="0" kern="1200" dirty="0">
+                <a:solidFill>
+                  <a:schemeClr val="tx1"/>
+                </a:solidFill>
+                <a:effectLst/>
+                <a:latin typeface="+mn-lt"/>
+                <a:ea typeface="+mn-ea"/>
+                <a:cs typeface="+mn-cs"/>
+              </a:rPr>
+              <a:t> branches are for </a:t>
+            </a:r>
+            <a:r>
+              <a:rPr lang="en-US" sz="1200" b="1" i="0" kern="1200" dirty="0">
+                <a:solidFill>
+                  <a:schemeClr val="tx1"/>
+                </a:solidFill>
+                <a:effectLst/>
+                <a:latin typeface="+mn-lt"/>
+                <a:ea typeface="+mn-ea"/>
+                <a:cs typeface="+mn-cs"/>
+              </a:rPr>
+              <a:t>minor bug</a:t>
+            </a:r>
+            <a:r>
+              <a:rPr lang="en-US" sz="1200" b="0" i="0" kern="1200" dirty="0">
+                <a:solidFill>
+                  <a:schemeClr val="tx1"/>
+                </a:solidFill>
+                <a:effectLst/>
+                <a:latin typeface="+mn-lt"/>
+                <a:ea typeface="+mn-ea"/>
+                <a:cs typeface="+mn-cs"/>
+              </a:rPr>
+              <a:t> fixes, which cannot wait until the next release. hotfix branches come off of master and are merged back into both master and develop.</a:t>
+            </a:r>
+          </a:p>
+          <a:p>
+            <a:pPr fontAlgn="base"/>
+            <a:r>
+              <a:rPr lang="en-US" sz="1200" b="1" i="0" kern="1200" dirty="0">
+                <a:solidFill>
+                  <a:schemeClr val="tx1"/>
+                </a:solidFill>
+                <a:effectLst/>
+                <a:latin typeface="+mn-lt"/>
+                <a:ea typeface="+mn-ea"/>
+                <a:cs typeface="+mn-cs"/>
+              </a:rPr>
+              <a:t>release</a:t>
+            </a:r>
+            <a:r>
+              <a:rPr lang="en-US" sz="1200" b="0" i="0" kern="1200" dirty="0">
+                <a:solidFill>
+                  <a:schemeClr val="tx1"/>
+                </a:solidFill>
+                <a:effectLst/>
+                <a:latin typeface="+mn-lt"/>
+                <a:ea typeface="+mn-ea"/>
+                <a:cs typeface="+mn-cs"/>
+              </a:rPr>
+              <a:t> branches are used to release new development from develop to master. Any last minute changes, such as bumping version numbers, are done in the release branch, and then are merged back into master and develop. When deploying a new version, master should be tagged with the current version number (e.g. using </a:t>
+            </a:r>
+            <a:r>
+              <a:rPr lang="en-US" sz="1200" b="0" i="0" u="none" strike="noStrike" kern="1200" dirty="0">
+                <a:solidFill>
+                  <a:schemeClr val="tx1"/>
+                </a:solidFill>
+                <a:effectLst/>
+                <a:latin typeface="+mn-lt"/>
+                <a:ea typeface="+mn-ea"/>
+                <a:cs typeface="+mn-cs"/>
+                <a:hlinkClick r:id="rId3"/>
+              </a:rPr>
+              <a:t>semantic versioning</a:t>
+            </a:r>
+            <a:r>
+              <a:rPr lang="en-US" sz="1200" b="0" i="0" kern="1200" dirty="0">
+                <a:solidFill>
+                  <a:schemeClr val="tx1"/>
+                </a:solidFill>
+                <a:effectLst/>
+                <a:latin typeface="+mn-lt"/>
+                <a:ea typeface="+mn-ea"/>
+                <a:cs typeface="+mn-cs"/>
+              </a:rPr>
+              <a:t>) for future reference and easy rollback.</a:t>
+            </a:r>
+          </a:p>
+          <a:p>
+            <a:pPr fontAlgn="base"/>
+            <a:r>
+              <a:rPr lang="en-US" sz="1200" b="1" i="0" kern="1200" dirty="0">
+                <a:solidFill>
+                  <a:schemeClr val="tx1"/>
+                </a:solidFill>
+                <a:effectLst/>
+                <a:latin typeface="+mn-lt"/>
+                <a:ea typeface="+mn-ea"/>
+                <a:cs typeface="+mn-cs"/>
+              </a:rPr>
+              <a:t>feature</a:t>
+            </a:r>
+            <a:r>
+              <a:rPr lang="en-US" sz="1200" b="0" i="0" kern="1200" dirty="0">
+                <a:solidFill>
+                  <a:schemeClr val="tx1"/>
+                </a:solidFill>
+                <a:effectLst/>
+                <a:latin typeface="+mn-lt"/>
+                <a:ea typeface="+mn-ea"/>
+                <a:cs typeface="+mn-cs"/>
+              </a:rPr>
+              <a:t> branches are reserved for bigger features. These are specifically developed in designated branches and integrated with develop when finished. Dedicated feature branches help to separate development and to be able to deploy </a:t>
+            </a:r>
+            <a:r>
+              <a:rPr lang="en-US" sz="1200" b="0" i="1" kern="1200" dirty="0">
+                <a:solidFill>
+                  <a:schemeClr val="tx1"/>
+                </a:solidFill>
+                <a:effectLst/>
+                <a:latin typeface="+mn-lt"/>
+                <a:ea typeface="+mn-ea"/>
+                <a:cs typeface="+mn-cs"/>
+              </a:rPr>
+              <a:t>done</a:t>
+            </a:r>
+            <a:r>
+              <a:rPr lang="en-US" sz="1200" b="0" i="0" kern="1200" dirty="0">
+                <a:solidFill>
+                  <a:schemeClr val="tx1"/>
+                </a:solidFill>
+                <a:effectLst/>
+                <a:latin typeface="+mn-lt"/>
+                <a:ea typeface="+mn-ea"/>
+                <a:cs typeface="+mn-cs"/>
+              </a:rPr>
+              <a:t> features independently from each other.</a:t>
+            </a:r>
+          </a:p>
+          <a:p>
+            <a:endParaRPr lang="en-US" dirty="0"/>
+          </a:p>
+        </p:txBody>
+      </p:sp>
+      <p:sp>
+        <p:nvSpPr>
+          <p:cNvPr id="4" name="슬라이드 번호 개체 틀 3"/>
+          <p:cNvSpPr>
+            <a:spLocks noGrp="1"/>
+          </p:cNvSpPr>
+          <p:nvPr>
+            <p:ph type="sldNum" sz="quarter" idx="10"/>
+          </p:nvPr>
+        </p:nvSpPr>
+        <p:spPr/>
+        <p:txBody>
+          <a:bodyPr/>
+          <a:lstStyle/>
+          <a:p>
+            <a:fld id="{772745C2-B5F1-4B10-8C0E-DEBCE2EB7236}" type="slidenum">
+              <a:rPr lang="en-US" smtClean="0"/>
+              <a:t>3</a:t>
+            </a:fld>
+            <a:endParaRPr lang="en-US"/>
+          </a:p>
+        </p:txBody>
+      </p:sp>
+    </p:spTree>
+    <p:extLst>
+      <p:ext uri="{BB962C8B-B14F-4D97-AF65-F5344CB8AC3E}">
+        <p14:creationId xmlns:p14="http://schemas.microsoft.com/office/powerpoint/2010/main" val="3546228598"/>
+      </p:ext>
+    </p:extLst>
+  </p:cSld>
+  <p:clrMapOvr>
+    <a:masterClrMapping/>
+  </p:clrMapOvr>
+</p:notes>
+</file>
+
+<file path=ppt/notesSlides/notesSlide4.xml><?xml version="1.0" encoding="utf-8"?>
+<p:notes xmlns:a="http://schemas.openxmlformats.org/drawingml/2006/main" xmlns:r="http://schemas.openxmlformats.org/officeDocument/2006/relationships" xmlns:p="http://schemas.openxmlformats.org/presentationml/2006/main">
+  <p:cSld>
+    <p:spTree>
+      <p:nvGrpSpPr>
+        <p:cNvPr id="1" name=""/>
+        <p:cNvGrpSpPr/>
+        <p:nvPr/>
+      </p:nvGrpSpPr>
+      <p:grpSpPr>
+        <a:xfrm>
+          <a:off x="0" y="0"/>
+          <a:ext cx="0" cy="0"/>
+          <a:chOff x="0" y="0"/>
+          <a:chExt cx="0" cy="0"/>
+        </a:xfrm>
+      </p:grpSpPr>
+      <p:sp>
+        <p:nvSpPr>
+          <p:cNvPr id="2" name="슬라이드 이미지 개체 틀 1"/>
+          <p:cNvSpPr>
+            <a:spLocks noGrp="1" noRot="1" noChangeAspect="1"/>
+          </p:cNvSpPr>
+          <p:nvPr>
+            <p:ph type="sldImg"/>
+          </p:nvPr>
+        </p:nvSpPr>
+        <p:spPr/>
+      </p:sp>
+      <p:sp>
+        <p:nvSpPr>
+          <p:cNvPr id="3" name="슬라이드 노트 개체 틀 2"/>
+          <p:cNvSpPr>
+            <a:spLocks noGrp="1"/>
+          </p:cNvSpPr>
+          <p:nvPr>
+            <p:ph type="body" idx="1"/>
+          </p:nvPr>
+        </p:nvSpPr>
+        <p:spPr/>
+        <p:txBody>
+          <a:bodyPr/>
+          <a:lstStyle/>
+          <a:p>
+            <a:pPr marL="0" marR="0" lvl="0" indent="0" algn="l" defTabSz="914400" rtl="0" eaLnBrk="1" fontAlgn="auto" latinLnBrk="0" hangingPunct="1">
+              <a:lnSpc>
+                <a:spcPct val="100000"/>
+              </a:lnSpc>
+              <a:spcBef>
+                <a:spcPts val="0"/>
+              </a:spcBef>
+              <a:spcAft>
+                <a:spcPts val="0"/>
+              </a:spcAft>
+              <a:buClrTx/>
+              <a:buSzTx/>
+              <a:buFontTx/>
+              <a:buNone/>
+              <a:tabLst/>
+              <a:defRPr/>
+            </a:pPr>
+            <a:r>
+              <a:rPr lang="en-US" dirty="0"/>
+              <a:t>https://github.com/api-ai/api-ai-facebook</a:t>
+            </a:r>
+          </a:p>
+          <a:p>
+            <a:endParaRPr lang="en-US" dirty="0"/>
+          </a:p>
+        </p:txBody>
+      </p:sp>
+      <p:sp>
+        <p:nvSpPr>
+          <p:cNvPr id="4" name="슬라이드 번호 개체 틀 3"/>
+          <p:cNvSpPr>
+            <a:spLocks noGrp="1"/>
+          </p:cNvSpPr>
+          <p:nvPr>
+            <p:ph type="sldNum" sz="quarter" idx="10"/>
+          </p:nvPr>
+        </p:nvSpPr>
+        <p:spPr/>
+        <p:txBody>
+          <a:bodyPr/>
+          <a:lstStyle/>
+          <a:p>
+            <a:fld id="{772745C2-B5F1-4B10-8C0E-DEBCE2EB7236}" type="slidenum">
+              <a:rPr lang="en-US" smtClean="0"/>
+              <a:t>4</a:t>
+            </a:fld>
+            <a:endParaRPr lang="en-US"/>
+          </a:p>
+        </p:txBody>
+      </p:sp>
+    </p:spTree>
+    <p:extLst>
+      <p:ext uri="{BB962C8B-B14F-4D97-AF65-F5344CB8AC3E}">
+        <p14:creationId xmlns:p14="http://schemas.microsoft.com/office/powerpoint/2010/main" val="2453857799"/>
+      </p:ext>
+    </p:extLst>
+  </p:cSld>
+  <p:clrMapOvr>
+    <a:masterClrMapping/>
+  </p:clrMapOvr>
+</p:notes>
+</file>
+
 <file path=ppt/slideLayouts/slideLayout1.xml><?xml version="1.0" encoding="utf-8"?>
 <p:sldLayout xmlns:a="http://schemas.openxmlformats.org/drawingml/2006/main" xmlns:r="http://schemas.openxmlformats.org/officeDocument/2006/relationships" xmlns:p="http://schemas.openxmlformats.org/presentationml/2006/main" type="title" preserve="1">
   <p:cSld name="제목 슬라이드">
@@ -717,7 +1288,7 @@
           <a:p>
             <a:fld id="{0D913C1F-5111-45C8-8646-4E60C4FCFD33}" type="datetime1">
               <a:rPr lang="en-US" smtClean="0"/>
-              <a:t>7/25/2017</a:t>
+              <a:t>7/27/2017</a:t>
             </a:fld>
             <a:endParaRPr lang="en-US"/>
           </a:p>
@@ -892,7 +1463,7 @@
           <a:p>
             <a:fld id="{D3A57730-C926-45F0-9361-C8E6CC7EFAB1}" type="datetime1">
               <a:rPr lang="en-US" smtClean="0"/>
-              <a:t>7/25/2017</a:t>
+              <a:t>7/27/2017</a:t>
             </a:fld>
             <a:endParaRPr lang="en-US"/>
           </a:p>
@@ -1072,7 +1643,7 @@
           <a:p>
             <a:fld id="{72F94769-6EA4-484E-8E33-A5D2CCD7F3B4}" type="datetime1">
               <a:rPr lang="en-US" smtClean="0"/>
-              <a:t>7/25/2017</a:t>
+              <a:t>7/27/2017</a:t>
             </a:fld>
             <a:endParaRPr lang="en-US"/>
           </a:p>
@@ -1242,7 +1813,7 @@
           <a:p>
             <a:fld id="{875CDD8C-CF5A-4DB3-98F8-3A2639B39FE9}" type="datetime1">
               <a:rPr lang="en-US" smtClean="0"/>
-              <a:t>7/25/2017</a:t>
+              <a:t>7/27/2017</a:t>
             </a:fld>
             <a:endParaRPr lang="en-US"/>
           </a:p>
@@ -1510,7 +2081,7 @@
           <a:p>
             <a:fld id="{73567B6B-69B5-4721-8DDE-4EEC9B6DCE0D}" type="datetime1">
               <a:rPr lang="en-US" smtClean="0"/>
-              <a:t>7/25/2017</a:t>
+              <a:t>7/27/2017</a:t>
             </a:fld>
             <a:endParaRPr lang="en-US"/>
           </a:p>
@@ -1742,7 +2313,7 @@
           <a:p>
             <a:fld id="{98DD2B97-22CE-4922-9B75-1DD88489AFD6}" type="datetime1">
               <a:rPr lang="en-US" smtClean="0"/>
-              <a:t>7/25/2017</a:t>
+              <a:t>7/27/2017</a:t>
             </a:fld>
             <a:endParaRPr lang="en-US"/>
           </a:p>
@@ -2101,7 +2672,7 @@
           <a:p>
             <a:fld id="{71335CB9-B160-4C99-9B3C-64E62B2B8AA1}" type="datetime1">
               <a:rPr lang="en-US" smtClean="0"/>
-              <a:t>7/25/2017</a:t>
+              <a:t>7/27/2017</a:t>
             </a:fld>
             <a:endParaRPr lang="en-US"/>
           </a:p>
@@ -2242,7 +2813,7 @@
           <a:p>
             <a:fld id="{AB5FD2A9-980D-4792-8107-6837CF22CACC}" type="datetime1">
               <a:rPr lang="en-US" smtClean="0"/>
-              <a:t>7/25/2017</a:t>
+              <a:t>7/27/2017</a:t>
             </a:fld>
             <a:endParaRPr lang="en-US"/>
           </a:p>
@@ -2337,7 +2908,7 @@
           <a:p>
             <a:fld id="{AE49ADA3-5F6C-44F2-923F-B96DDB41268F}" type="datetime1">
               <a:rPr lang="en-US" smtClean="0"/>
-              <a:t>7/25/2017</a:t>
+              <a:t>7/27/2017</a:t>
             </a:fld>
             <a:endParaRPr lang="en-US"/>
           </a:p>
@@ -2694,7 +3265,7 @@
           <a:p>
             <a:fld id="{CD641920-CFA1-454E-AD47-3EEEB5605BD0}" type="datetime1">
               <a:rPr lang="en-US" smtClean="0"/>
-              <a:t>7/25/2017</a:t>
+              <a:t>7/27/2017</a:t>
             </a:fld>
             <a:endParaRPr lang="en-US"/>
           </a:p>
@@ -3051,7 +3622,7 @@
           <a:p>
             <a:fld id="{F3A5C466-8A77-4A43-A9E6-B875AC354BDD}" type="datetime1">
               <a:rPr lang="en-US" smtClean="0"/>
-              <a:t>7/25/2017</a:t>
+              <a:t>7/27/2017</a:t>
             </a:fld>
             <a:endParaRPr lang="en-US"/>
           </a:p>
@@ -3292,7 +3863,7 @@
           <a:p>
             <a:fld id="{8C1F079E-EE37-4F70-8A6F-71D0624FBE44}" type="datetime1">
               <a:rPr lang="en-US" smtClean="0"/>
-              <a:t>7/25/2017</a:t>
+              <a:t>7/27/2017</a:t>
             </a:fld>
             <a:endParaRPr lang="en-US"/>
           </a:p>
@@ -3763,8 +4334,8 @@
         </p:nvSpPr>
         <p:spPr>
           <a:xfrm>
-            <a:off x="1248076" y="2386744"/>
-            <a:ext cx="9695848" cy="1645920"/>
+            <a:off x="1971635" y="2386744"/>
+            <a:ext cx="8248730" cy="1645920"/>
           </a:xfrm>
         </p:spPr>
         <p:txBody>
@@ -3786,7 +4357,7 @@
             </a:br>
             <a:r>
               <a:rPr lang="en-US" dirty="0"/>
-              <a:t>2-1 Web App in the Market Places</a:t>
+              <a:t>3-1 Git workflow</a:t>
             </a:r>
           </a:p>
         </p:txBody>
@@ -3874,6 +4445,16 @@
 <file path=ppt/slides/slide2.xml><?xml version="1.0" encoding="utf-8"?>
 <p:sld xmlns:a="http://schemas.openxmlformats.org/drawingml/2006/main" xmlns:r="http://schemas.openxmlformats.org/officeDocument/2006/relationships" xmlns:p="http://schemas.openxmlformats.org/presentationml/2006/main">
   <p:cSld>
+    <p:bg>
+      <p:bgPr>
+        <a:solidFill>
+          <a:schemeClr val="bg1">
+            <a:lumMod val="95000"/>
+          </a:schemeClr>
+        </a:solidFill>
+        <a:effectLst/>
+      </p:bgPr>
+    </p:bg>
     <p:spTree>
       <p:nvGrpSpPr>
         <p:cNvPr id="1" name=""/>
@@ -3888,6 +4469,145 @@
           <a:chExt cx="0" cy="0"/>
         </a:xfrm>
       </p:grpSpPr>
+      <p:sp useBgFill="1">
+        <p:nvSpPr>
+          <p:cNvPr id="11" name="Rectangle 10"/>
+          <p:cNvSpPr>
+            <a:spLocks noGrp="1" noRot="1" noChangeAspect="1" noMove="1" noResize="1" noEditPoints="1" noAdjustHandles="1" noChangeArrowheads="1" noChangeShapeType="1" noTextEdit="1"/>
+          </p:cNvSpPr>
+          <p:nvPr>
+            <p:extLst>
+              <p:ext uri="{386F3935-93C4-4BCD-93E2-E3B085C9AB24}">
+                <p16:designElem xmlns:p16="http://schemas.microsoft.com/office/powerpoint/2015/main" val="1"/>
+              </p:ext>
+            </p:extLst>
+          </p:nvPr>
+        </p:nvSpPr>
+        <p:spPr>
+          <a:xfrm>
+            <a:off x="0" y="0"/>
+            <a:ext cx="12191999" cy="6858000"/>
+          </a:xfrm>
+          <a:prstGeom prst="rect">
+            <a:avLst/>
+          </a:prstGeom>
+          <a:ln>
+            <a:noFill/>
+          </a:ln>
+        </p:spPr>
+        <p:style>
+          <a:lnRef idx="2">
+            <a:schemeClr val="accent1">
+              <a:shade val="50000"/>
+            </a:schemeClr>
+          </a:lnRef>
+          <a:fillRef idx="1">
+            <a:schemeClr val="accent1"/>
+          </a:fillRef>
+          <a:effectRef idx="0">
+            <a:schemeClr val="accent1"/>
+          </a:effectRef>
+          <a:fontRef idx="minor">
+            <a:schemeClr val="lt1"/>
+          </a:fontRef>
+        </p:style>
+        <p:txBody>
+          <a:bodyPr rtlCol="0" anchor="ctr"/>
+          <a:lstStyle/>
+          <a:p>
+            <a:pPr algn="ctr"/>
+            <a:endParaRPr lang="en-US"/>
+          </a:p>
+        </p:txBody>
+      </p:sp>
+      <p:sp>
+        <p:nvSpPr>
+          <p:cNvPr id="13" name="Rectangle 12"/>
+          <p:cNvSpPr>
+            <a:spLocks noGrp="1" noRot="1" noChangeAspect="1" noMove="1" noResize="1" noEditPoints="1" noAdjustHandles="1" noChangeArrowheads="1" noChangeShapeType="1" noTextEdit="1"/>
+          </p:cNvSpPr>
+          <p:nvPr>
+            <p:extLst>
+              <p:ext uri="{386F3935-93C4-4BCD-93E2-E3B085C9AB24}">
+                <p16:designElem xmlns:p16="http://schemas.microsoft.com/office/powerpoint/2015/main" val="1"/>
+              </p:ext>
+            </p:extLst>
+          </p:nvPr>
+        </p:nvSpPr>
+        <p:spPr>
+          <a:xfrm>
+            <a:off x="0" y="0"/>
+            <a:ext cx="4654296" cy="6858000"/>
+          </a:xfrm>
+          <a:prstGeom prst="rect">
+            <a:avLst/>
+          </a:prstGeom>
+          <a:solidFill>
+            <a:schemeClr val="tx2"/>
+          </a:solidFill>
+          <a:ln>
+            <a:noFill/>
+          </a:ln>
+        </p:spPr>
+        <p:style>
+          <a:lnRef idx="0">
+            <a:scrgbClr r="0" g="0" b="0"/>
+          </a:lnRef>
+          <a:fillRef idx="0">
+            <a:scrgbClr r="0" g="0" b="0"/>
+          </a:fillRef>
+          <a:effectRef idx="0">
+            <a:scrgbClr r="0" g="0" b="0"/>
+          </a:effectRef>
+          <a:fontRef idx="minor">
+            <a:schemeClr val="lt1"/>
+          </a:fontRef>
+        </p:style>
+        <p:txBody>
+          <a:bodyPr rtlCol="0" anchor="ctr"/>
+          <a:lstStyle/>
+          <a:p>
+            <a:pPr algn="ctr"/>
+            <a:endParaRPr lang="en-US"/>
+          </a:p>
+        </p:txBody>
+      </p:sp>
+      <p:pic>
+        <p:nvPicPr>
+          <p:cNvPr id="6" name="그림 5" descr="신문, 사진, 텍스트, 실내이(가) 표시된 사진&#10;&#10;매우 높은 신뢰도로 생성된 설명">
+            <a:extLst>
+              <a:ext uri="{FF2B5EF4-FFF2-40B4-BE49-F238E27FC236}">
+                <a16:creationId xmlns:a16="http://schemas.microsoft.com/office/drawing/2014/main" id="{DE2FA66D-8783-4E82-A68A-4506769128A0}"/>
+              </a:ext>
+            </a:extLst>
+          </p:cNvPr>
+          <p:cNvPicPr>
+            <a:picLocks noChangeAspect="1"/>
+          </p:cNvPicPr>
+          <p:nvPr/>
+        </p:nvPicPr>
+        <p:blipFill>
+          <a:blip r:embed="rId3">
+            <a:extLst>
+              <a:ext uri="{28A0092B-C50C-407E-A947-70E740481C1C}">
+                <a14:useLocalDpi xmlns:a14="http://schemas.microsoft.com/office/drawing/2010/main" val="0"/>
+              </a:ext>
+            </a:extLst>
+          </a:blip>
+          <a:stretch>
+            <a:fillRect/>
+          </a:stretch>
+        </p:blipFill>
+        <p:spPr>
+          <a:xfrm>
+            <a:off x="4925954" y="736161"/>
+            <a:ext cx="6994386" cy="5385677"/>
+          </a:xfrm>
+          <a:prstGeom prst="rect">
+            <a:avLst/>
+          </a:prstGeom>
+        </p:spPr>
+      </p:pic>
       <p:sp>
         <p:nvSpPr>
           <p:cNvPr id="2" name="제목 1">
@@ -3904,12 +4624,32 @@
             <p:ph type="title"/>
           </p:nvPr>
         </p:nvSpPr>
-        <p:spPr/>
-        <p:txBody>
-          <a:bodyPr/>
-          <a:lstStyle/>
-          <a:p>
-            <a:endParaRPr lang="en-US"/>
+        <p:spPr>
+          <a:xfrm>
+            <a:off x="643467" y="643467"/>
+            <a:ext cx="3363974" cy="1728044"/>
+          </a:xfrm>
+          <a:noFill/>
+          <a:ln>
+            <a:solidFill>
+              <a:schemeClr val="bg1"/>
+            </a:solidFill>
+          </a:ln>
+        </p:spPr>
+        <p:txBody>
+          <a:bodyPr wrap="square">
+            <a:normAutofit/>
+          </a:bodyPr>
+          <a:lstStyle/>
+          <a:p>
+            <a:r>
+              <a:rPr lang="en-US" dirty="0">
+                <a:solidFill>
+                  <a:schemeClr val="bg1"/>
+                </a:solidFill>
+              </a:rPr>
+              <a:t>Co-work</a:t>
+            </a:r>
           </a:p>
         </p:txBody>
       </p:sp>
@@ -3929,21 +4669,55 @@
             <p:ph idx="1"/>
           </p:nvPr>
         </p:nvSpPr>
-        <p:spPr/>
-        <p:txBody>
-          <a:bodyPr/>
-          <a:lstStyle/>
-          <a:p>
-            <a:endParaRPr lang="en-US"/>
-          </a:p>
-        </p:txBody>
-      </p:sp>
-      <p:sp>
-        <p:nvSpPr>
-          <p:cNvPr id="4" name="슬라이드 번호 개체 틀 3">
+        <p:spPr>
+          <a:xfrm>
+            <a:off x="643468" y="2638044"/>
+            <a:ext cx="3363974" cy="3415622"/>
+          </a:xfrm>
+        </p:spPr>
+        <p:txBody>
+          <a:bodyPr>
+            <a:normAutofit/>
+          </a:bodyPr>
+          <a:lstStyle/>
+          <a:p>
+            <a:r>
+              <a:rPr lang="en-US">
+                <a:solidFill>
+                  <a:schemeClr val="bg1"/>
+                </a:solidFill>
+              </a:rPr>
+              <a:t>Group project</a:t>
+            </a:r>
+          </a:p>
+          <a:p>
+            <a:r>
+              <a:rPr lang="en-US">
+                <a:solidFill>
+                  <a:schemeClr val="bg1"/>
+                </a:solidFill>
+              </a:rPr>
+              <a:t>Co-editing</a:t>
+            </a:r>
+          </a:p>
+          <a:p>
+            <a:r>
+              <a:rPr lang="en-US">
+                <a:solidFill>
+                  <a:schemeClr val="bg1"/>
+                </a:solidFill>
+              </a:rPr>
+              <a:t>Google Docs.</a:t>
+            </a:r>
+          </a:p>
+        </p:txBody>
+      </p:sp>
+      <p:sp>
+        <p:nvSpPr>
+          <p:cNvPr id="9" name="슬라이드 번호 개체 틀 3">
             <a:extLst>
               <a:ext uri="{FF2B5EF4-FFF2-40B4-BE49-F238E27FC236}">
-                <a16:creationId xmlns:a16="http://schemas.microsoft.com/office/drawing/2014/main" id="{D28DB2EC-2D64-4FE9-9C09-E9EA8BC269B6}"/>
+                <a16:creationId xmlns:a16="http://schemas.microsoft.com/office/drawing/2014/main" id="{803CCC8E-B8A3-4EA7-BD83-FE00AF1E1D68}"/>
               </a:ext>
             </a:extLst>
           </p:cNvPr>
@@ -3954,7 +4728,12 @@
             <p:ph type="sldNum" sz="quarter" idx="12"/>
           </p:nvPr>
         </p:nvSpPr>
-        <p:spPr/>
+        <p:spPr>
+          <a:xfrm>
+            <a:off x="11704320" y="6400800"/>
+            <a:ext cx="365760" cy="365760"/>
+          </a:xfrm>
+        </p:spPr>
         <p:txBody>
           <a:bodyPr/>
           <a:lstStyle/>
@@ -3963,14 +4742,661 @@
               <a:rPr lang="en-US" smtClean="0"/>
               <a:t>2</a:t>
             </a:fld>
-            <a:endParaRPr lang="en-US"/>
-          </a:p>
-        </p:txBody>
-      </p:sp>
+            <a:endParaRPr lang="en-US" dirty="0"/>
+          </a:p>
+        </p:txBody>
+      </p:sp>
+      <p:pic>
+        <p:nvPicPr>
+          <p:cNvPr id="1026" name="Picture 2" descr="https://i.stack.imgur.com/dAYXB.png">
+            <a:extLst>
+              <a:ext uri="{FF2B5EF4-FFF2-40B4-BE49-F238E27FC236}">
+                <a16:creationId xmlns:a16="http://schemas.microsoft.com/office/drawing/2014/main" id="{63C42547-BA81-4A9C-94B6-9280A26DEE2C}"/>
+              </a:ext>
+            </a:extLst>
+          </p:cNvPr>
+          <p:cNvPicPr>
+            <a:picLocks noChangeAspect="1" noChangeArrowheads="1"/>
+          </p:cNvPicPr>
+          <p:nvPr/>
+        </p:nvPicPr>
+        <p:blipFill>
+          <a:blip r:embed="rId4">
+            <a:extLst>
+              <a:ext uri="{28A0092B-C50C-407E-A947-70E740481C1C}">
+                <a14:useLocalDpi xmlns:a14="http://schemas.microsoft.com/office/drawing/2010/main" val="0"/>
+              </a:ext>
+            </a:extLst>
+          </a:blip>
+          <a:srcRect/>
+          <a:stretch>
+            <a:fillRect/>
+          </a:stretch>
+        </p:blipFill>
+        <p:spPr bwMode="auto">
+          <a:xfrm>
+            <a:off x="4925954" y="104390"/>
+            <a:ext cx="6994386" cy="6226456"/>
+          </a:xfrm>
+          <a:prstGeom prst="rect">
+            <a:avLst/>
+          </a:prstGeom>
+          <a:noFill/>
+          <a:extLst>
+            <a:ext uri="{909E8E84-426E-40DD-AFC4-6F175D3DCCD1}">
+              <a14:hiddenFill xmlns:a14="http://schemas.microsoft.com/office/drawing/2010/main">
+                <a:solidFill>
+                  <a:srgbClr val="FFFFFF"/>
+                </a:solidFill>
+              </a14:hiddenFill>
+            </a:ext>
+          </a:extLst>
+        </p:spPr>
+      </p:pic>
     </p:spTree>
     <p:extLst>
       <p:ext uri="{BB962C8B-B14F-4D97-AF65-F5344CB8AC3E}">
         <p14:creationId xmlns:p14="http://schemas.microsoft.com/office/powerpoint/2010/main" val="1091391866"/>
+      </p:ext>
+    </p:extLst>
+  </p:cSld>
+  <p:clrMapOvr>
+    <a:masterClrMapping/>
+  </p:clrMapOvr>
+  <p:timing>
+    <p:tnLst>
+      <p:par>
+        <p:cTn id="1" dur="indefinite" restart="never" nodeType="tmRoot">
+          <p:childTnLst>
+            <p:seq concurrent="1" nextAc="seek">
+              <p:cTn id="2" dur="indefinite" nodeType="mainSeq">
+                <p:childTnLst>
+                  <p:par>
+                    <p:cTn id="3" fill="hold">
+                      <p:stCondLst>
+                        <p:cond delay="indefinite"/>
+                      </p:stCondLst>
+                      <p:childTnLst>
+                        <p:par>
+                          <p:cTn id="4" fill="hold">
+                            <p:stCondLst>
+                              <p:cond delay="0"/>
+                            </p:stCondLst>
+                            <p:childTnLst>
+                              <p:par>
+                                <p:cTn id="5" presetID="10" presetClass="entr" presetSubtype="0" fill="hold" nodeType="clickEffect">
+                                  <p:stCondLst>
+                                    <p:cond delay="0"/>
+                                  </p:stCondLst>
+                                  <p:childTnLst>
+                                    <p:set>
+                                      <p:cBhvr>
+                                        <p:cTn id="6" dur="1" fill="hold">
+                                          <p:stCondLst>
+                                            <p:cond delay="0"/>
+                                          </p:stCondLst>
+                                        </p:cTn>
+                                        <p:tgtEl>
+                                          <p:spTgt spid="1026"/>
+                                        </p:tgtEl>
+                                        <p:attrNameLst>
+                                          <p:attrName>style.visibility</p:attrName>
+                                        </p:attrNameLst>
+                                      </p:cBhvr>
+                                      <p:to>
+                                        <p:strVal val="visible"/>
+                                      </p:to>
+                                    </p:set>
+                                    <p:animEffect transition="in" filter="fade">
+                                      <p:cBhvr>
+                                        <p:cTn id="7" dur="250"/>
+                                        <p:tgtEl>
+                                          <p:spTgt spid="1026"/>
+                                        </p:tgtEl>
+                                      </p:cBhvr>
+                                    </p:animEffect>
+                                  </p:childTnLst>
+                                </p:cTn>
+                              </p:par>
+                            </p:childTnLst>
+                          </p:cTn>
+                        </p:par>
+                      </p:childTnLst>
+                    </p:cTn>
+                  </p:par>
+                </p:childTnLst>
+              </p:cTn>
+              <p:prevCondLst>
+                <p:cond evt="onPrev" delay="0">
+                  <p:tgtEl>
+                    <p:sldTgt/>
+                  </p:tgtEl>
+                </p:cond>
+              </p:prevCondLst>
+              <p:nextCondLst>
+                <p:cond evt="onNext" delay="0">
+                  <p:tgtEl>
+                    <p:sldTgt/>
+                  </p:tgtEl>
+                </p:cond>
+              </p:nextCondLst>
+            </p:seq>
+          </p:childTnLst>
+        </p:cTn>
+      </p:par>
+    </p:tnLst>
+  </p:timing>
+</p:sld>
+</file>
+
+<file path=ppt/slides/slide3.xml><?xml version="1.0" encoding="utf-8"?>
+<p:sld xmlns:a="http://schemas.openxmlformats.org/drawingml/2006/main" xmlns:r="http://schemas.openxmlformats.org/officeDocument/2006/relationships" xmlns:p="http://schemas.openxmlformats.org/presentationml/2006/main">
+  <p:cSld>
+    <p:bg>
+      <p:bgPr>
+        <a:solidFill>
+          <a:schemeClr val="bg1">
+            <a:lumMod val="95000"/>
+          </a:schemeClr>
+        </a:solidFill>
+        <a:effectLst/>
+      </p:bgPr>
+    </p:bg>
+    <p:spTree>
+      <p:nvGrpSpPr>
+        <p:cNvPr id="1" name=""/>
+        <p:cNvGrpSpPr/>
+        <p:nvPr/>
+      </p:nvGrpSpPr>
+      <p:grpSpPr>
+        <a:xfrm>
+          <a:off x="0" y="0"/>
+          <a:ext cx="0" cy="0"/>
+          <a:chOff x="0" y="0"/>
+          <a:chExt cx="0" cy="0"/>
+        </a:xfrm>
+      </p:grpSpPr>
+      <p:sp useBgFill="1">
+        <p:nvSpPr>
+          <p:cNvPr id="71" name="Rectangle 70"/>
+          <p:cNvSpPr>
+            <a:spLocks noGrp="1" noRot="1" noChangeAspect="1" noMove="1" noResize="1" noEditPoints="1" noAdjustHandles="1" noChangeArrowheads="1" noChangeShapeType="1" noTextEdit="1"/>
+          </p:cNvSpPr>
+          <p:nvPr>
+            <p:extLst>
+              <p:ext uri="{386F3935-93C4-4BCD-93E2-E3B085C9AB24}">
+                <p16:designElem xmlns:p16="http://schemas.microsoft.com/office/powerpoint/2015/main" val="1"/>
+              </p:ext>
+            </p:extLst>
+          </p:nvPr>
+        </p:nvSpPr>
+        <p:spPr>
+          <a:xfrm>
+            <a:off x="0" y="0"/>
+            <a:ext cx="12191999" cy="6858000"/>
+          </a:xfrm>
+          <a:prstGeom prst="rect">
+            <a:avLst/>
+          </a:prstGeom>
+          <a:ln>
+            <a:noFill/>
+          </a:ln>
+        </p:spPr>
+        <p:style>
+          <a:lnRef idx="2">
+            <a:schemeClr val="accent1">
+              <a:shade val="50000"/>
+            </a:schemeClr>
+          </a:lnRef>
+          <a:fillRef idx="1">
+            <a:schemeClr val="accent1"/>
+          </a:fillRef>
+          <a:effectRef idx="0">
+            <a:schemeClr val="accent1"/>
+          </a:effectRef>
+          <a:fontRef idx="minor">
+            <a:schemeClr val="lt1"/>
+          </a:fontRef>
+        </p:style>
+        <p:txBody>
+          <a:bodyPr rtlCol="0" anchor="ctr"/>
+          <a:lstStyle/>
+          <a:p>
+            <a:pPr algn="ctr"/>
+            <a:endParaRPr lang="en-US"/>
+          </a:p>
+        </p:txBody>
+      </p:sp>
+      <p:sp>
+        <p:nvSpPr>
+          <p:cNvPr id="73" name="Rectangle 72"/>
+          <p:cNvSpPr>
+            <a:spLocks noGrp="1" noRot="1" noChangeAspect="1" noMove="1" noResize="1" noEditPoints="1" noAdjustHandles="1" noChangeArrowheads="1" noChangeShapeType="1" noTextEdit="1"/>
+          </p:cNvSpPr>
+          <p:nvPr>
+            <p:extLst>
+              <p:ext uri="{386F3935-93C4-4BCD-93E2-E3B085C9AB24}">
+                <p16:designElem xmlns:p16="http://schemas.microsoft.com/office/powerpoint/2015/main" val="1"/>
+              </p:ext>
+            </p:extLst>
+          </p:nvPr>
+        </p:nvSpPr>
+        <p:spPr>
+          <a:xfrm>
+            <a:off x="0" y="0"/>
+            <a:ext cx="4654296" cy="6858000"/>
+          </a:xfrm>
+          <a:prstGeom prst="rect">
+            <a:avLst/>
+          </a:prstGeom>
+          <a:solidFill>
+            <a:schemeClr val="tx2"/>
+          </a:solidFill>
+          <a:ln>
+            <a:noFill/>
+          </a:ln>
+        </p:spPr>
+        <p:style>
+          <a:lnRef idx="0">
+            <a:scrgbClr r="0" g="0" b="0"/>
+          </a:lnRef>
+          <a:fillRef idx="0">
+            <a:scrgbClr r="0" g="0" b="0"/>
+          </a:fillRef>
+          <a:effectRef idx="0">
+            <a:scrgbClr r="0" g="0" b="0"/>
+          </a:effectRef>
+          <a:fontRef idx="minor">
+            <a:schemeClr val="lt1"/>
+          </a:fontRef>
+        </p:style>
+        <p:txBody>
+          <a:bodyPr rtlCol="0" anchor="ctr"/>
+          <a:lstStyle/>
+          <a:p>
+            <a:pPr algn="ctr"/>
+            <a:endParaRPr lang="en-US"/>
+          </a:p>
+        </p:txBody>
+      </p:sp>
+      <p:pic>
+        <p:nvPicPr>
+          <p:cNvPr id="2050" name="Picture 2" descr="http://i.stack.imgur.com/TBHkD.png">
+            <a:extLst>
+              <a:ext uri="{FF2B5EF4-FFF2-40B4-BE49-F238E27FC236}">
+                <a16:creationId xmlns:a16="http://schemas.microsoft.com/office/drawing/2014/main" id="{7FA7EFD8-D418-4E90-A100-FE29B6AF2114}"/>
+              </a:ext>
+            </a:extLst>
+          </p:cNvPr>
+          <p:cNvPicPr>
+            <a:picLocks noChangeAspect="1" noChangeArrowheads="1"/>
+          </p:cNvPicPr>
+          <p:nvPr/>
+        </p:nvPicPr>
+        <p:blipFill>
+          <a:blip r:embed="rId3">
+            <a:extLst>
+              <a:ext uri="{28A0092B-C50C-407E-A947-70E740481C1C}">
+                <a14:useLocalDpi xmlns:a14="http://schemas.microsoft.com/office/drawing/2010/main" val="0"/>
+              </a:ext>
+            </a:extLst>
+          </a:blip>
+          <a:srcRect/>
+          <a:stretch>
+            <a:fillRect/>
+          </a:stretch>
+        </p:blipFill>
+        <p:spPr bwMode="auto">
+          <a:xfrm>
+            <a:off x="4976029" y="955692"/>
+            <a:ext cx="6894237" cy="4946616"/>
+          </a:xfrm>
+          <a:prstGeom prst="rect">
+            <a:avLst/>
+          </a:prstGeom>
+          <a:noFill/>
+          <a:extLst>
+            <a:ext uri="{909E8E84-426E-40DD-AFC4-6F175D3DCCD1}">
+              <a14:hiddenFill xmlns:a14="http://schemas.microsoft.com/office/drawing/2010/main">
+                <a:solidFill>
+                  <a:srgbClr val="FFFFFF"/>
+                </a:solidFill>
+              </a14:hiddenFill>
+            </a:ext>
+          </a:extLst>
+        </p:spPr>
+      </p:pic>
+      <p:sp>
+        <p:nvSpPr>
+          <p:cNvPr id="2" name="제목 1">
+            <a:extLst>
+              <a:ext uri="{FF2B5EF4-FFF2-40B4-BE49-F238E27FC236}">
+                <a16:creationId xmlns:a16="http://schemas.microsoft.com/office/drawing/2014/main" id="{A1FCA48E-34AB-4EF0-8FAD-6A75596E99AA}"/>
+              </a:ext>
+            </a:extLst>
+          </p:cNvPr>
+          <p:cNvSpPr>
+            <a:spLocks noGrp="1"/>
+          </p:cNvSpPr>
+          <p:nvPr>
+            <p:ph type="title"/>
+          </p:nvPr>
+        </p:nvSpPr>
+        <p:spPr>
+          <a:xfrm>
+            <a:off x="643467" y="643467"/>
+            <a:ext cx="3363974" cy="1728044"/>
+          </a:xfrm>
+          <a:noFill/>
+          <a:ln>
+            <a:solidFill>
+              <a:schemeClr val="bg1"/>
+            </a:solidFill>
+          </a:ln>
+        </p:spPr>
+        <p:txBody>
+          <a:bodyPr wrap="square">
+            <a:normAutofit/>
+          </a:bodyPr>
+          <a:lstStyle/>
+          <a:p>
+            <a:r>
+              <a:rPr lang="en-US">
+                <a:solidFill>
+                  <a:schemeClr val="bg1"/>
+                </a:solidFill>
+              </a:rPr>
+              <a:t>Git Workflow</a:t>
+            </a:r>
+          </a:p>
+        </p:txBody>
+      </p:sp>
+      <p:sp>
+        <p:nvSpPr>
+          <p:cNvPr id="3" name="내용 개체 틀 2">
+            <a:extLst>
+              <a:ext uri="{FF2B5EF4-FFF2-40B4-BE49-F238E27FC236}">
+                <a16:creationId xmlns:a16="http://schemas.microsoft.com/office/drawing/2014/main" id="{A9674742-59F8-44E2-9EC5-D9A0E12A3CD4}"/>
+              </a:ext>
+            </a:extLst>
+          </p:cNvPr>
+          <p:cNvSpPr>
+            <a:spLocks noGrp="1"/>
+          </p:cNvSpPr>
+          <p:nvPr>
+            <p:ph idx="1"/>
+          </p:nvPr>
+        </p:nvSpPr>
+        <p:spPr>
+          <a:xfrm>
+            <a:off x="643468" y="2638044"/>
+            <a:ext cx="3363974" cy="3415622"/>
+          </a:xfrm>
+        </p:spPr>
+        <p:txBody>
+          <a:bodyPr>
+            <a:normAutofit/>
+          </a:bodyPr>
+          <a:lstStyle/>
+          <a:p>
+            <a:r>
+              <a:rPr lang="en-US">
+                <a:solidFill>
+                  <a:schemeClr val="bg1"/>
+                </a:solidFill>
+              </a:rPr>
+              <a:t>Master</a:t>
+            </a:r>
+          </a:p>
+          <a:p>
+            <a:r>
+              <a:rPr lang="en-US">
+                <a:solidFill>
+                  <a:schemeClr val="bg1"/>
+                </a:solidFill>
+              </a:rPr>
+              <a:t>Develop</a:t>
+            </a:r>
+          </a:p>
+          <a:p>
+            <a:r>
+              <a:rPr lang="en-US">
+                <a:solidFill>
+                  <a:schemeClr val="bg1"/>
+                </a:solidFill>
+              </a:rPr>
+              <a:t>Hotfix</a:t>
+            </a:r>
+          </a:p>
+          <a:p>
+            <a:r>
+              <a:rPr lang="en-US">
+                <a:solidFill>
+                  <a:schemeClr val="bg1"/>
+                </a:solidFill>
+              </a:rPr>
+              <a:t>Feature</a:t>
+            </a:r>
+          </a:p>
+        </p:txBody>
+      </p:sp>
+      <p:sp>
+        <p:nvSpPr>
+          <p:cNvPr id="8" name="슬라이드 번호 개체 틀 3">
+            <a:extLst>
+              <a:ext uri="{FF2B5EF4-FFF2-40B4-BE49-F238E27FC236}">
+                <a16:creationId xmlns:a16="http://schemas.microsoft.com/office/drawing/2014/main" id="{DA7260AD-2A2F-4455-A860-2B9B395DD4A3}"/>
+              </a:ext>
+            </a:extLst>
+          </p:cNvPr>
+          <p:cNvSpPr>
+            <a:spLocks noGrp="1"/>
+          </p:cNvSpPr>
+          <p:nvPr>
+            <p:ph type="sldNum" sz="quarter" idx="12"/>
+          </p:nvPr>
+        </p:nvSpPr>
+        <p:spPr>
+          <a:xfrm>
+            <a:off x="11704320" y="6400800"/>
+            <a:ext cx="365760" cy="365760"/>
+          </a:xfrm>
+        </p:spPr>
+        <p:txBody>
+          <a:bodyPr/>
+          <a:lstStyle/>
+          <a:p>
+            <a:fld id="{8B9A499C-E7AC-4E74-9635-A20519089A3A}" type="slidenum">
+              <a:rPr lang="en-US" smtClean="0"/>
+              <a:t>3</a:t>
+            </a:fld>
+            <a:endParaRPr lang="en-US" dirty="0"/>
+          </a:p>
+        </p:txBody>
+      </p:sp>
+    </p:spTree>
+    <p:extLst>
+      <p:ext uri="{BB962C8B-B14F-4D97-AF65-F5344CB8AC3E}">
+        <p14:creationId xmlns:p14="http://schemas.microsoft.com/office/powerpoint/2010/main" val="2841241113"/>
+      </p:ext>
+    </p:extLst>
+  </p:cSld>
+  <p:clrMapOvr>
+    <a:masterClrMapping/>
+  </p:clrMapOvr>
+</p:sld>
+</file>
+
+<file path=ppt/slides/slide4.xml><?xml version="1.0" encoding="utf-8"?>
+<p:sld xmlns:a="http://schemas.openxmlformats.org/drawingml/2006/main" xmlns:r="http://schemas.openxmlformats.org/officeDocument/2006/relationships" xmlns:p="http://schemas.openxmlformats.org/presentationml/2006/main">
+  <p:cSld>
+    <p:bg>
+      <p:bgPr>
+        <a:solidFill>
+          <a:schemeClr val="bg1">
+            <a:lumMod val="95000"/>
+          </a:schemeClr>
+        </a:solidFill>
+        <a:effectLst/>
+      </p:bgPr>
+    </p:bg>
+    <p:spTree>
+      <p:nvGrpSpPr>
+        <p:cNvPr id="1" name=""/>
+        <p:cNvGrpSpPr/>
+        <p:nvPr/>
+      </p:nvGrpSpPr>
+      <p:grpSpPr>
+        <a:xfrm>
+          <a:off x="0" y="0"/>
+          <a:ext cx="0" cy="0"/>
+          <a:chOff x="0" y="0"/>
+          <a:chExt cx="0" cy="0"/>
+        </a:xfrm>
+      </p:grpSpPr>
+      <p:pic>
+        <p:nvPicPr>
+          <p:cNvPr id="5" name="그림 4">
+            <a:extLst>
+              <a:ext uri="{FF2B5EF4-FFF2-40B4-BE49-F238E27FC236}">
+                <a16:creationId xmlns:a16="http://schemas.microsoft.com/office/drawing/2014/main" id="{46BDE437-BCF8-4BC6-BDA6-24A1DD1A7E1E}"/>
+              </a:ext>
+            </a:extLst>
+          </p:cNvPr>
+          <p:cNvPicPr>
+            <a:picLocks noChangeAspect="1"/>
+          </p:cNvPicPr>
+          <p:nvPr/>
+        </p:nvPicPr>
+        <p:blipFill rotWithShape="1">
+          <a:blip r:embed="rId3"/>
+          <a:srcRect l="354" t="1" r="1130" b="1"/>
+          <a:stretch/>
+        </p:blipFill>
+        <p:spPr>
+          <a:xfrm>
+            <a:off x="4289367" y="978776"/>
+            <a:ext cx="7603375" cy="4881536"/>
+          </a:xfrm>
+          <a:prstGeom prst="rect">
+            <a:avLst/>
+          </a:prstGeom>
+        </p:spPr>
+      </p:pic>
+      <p:sp>
+        <p:nvSpPr>
+          <p:cNvPr id="2" name="제목 1">
+            <a:extLst>
+              <a:ext uri="{FF2B5EF4-FFF2-40B4-BE49-F238E27FC236}">
+                <a16:creationId xmlns:a16="http://schemas.microsoft.com/office/drawing/2014/main" id="{F2582F1A-0E05-4B40-B463-CAF07D56E9AA}"/>
+              </a:ext>
+            </a:extLst>
+          </p:cNvPr>
+          <p:cNvSpPr>
+            <a:spLocks noGrp="1"/>
+          </p:cNvSpPr>
+          <p:nvPr>
+            <p:ph type="title"/>
+          </p:nvPr>
+        </p:nvSpPr>
+        <p:spPr>
+          <a:xfrm>
+            <a:off x="804670" y="978776"/>
+            <a:ext cx="3044953" cy="1174991"/>
+          </a:xfrm>
+        </p:spPr>
+        <p:txBody>
+          <a:bodyPr>
+            <a:normAutofit/>
+          </a:bodyPr>
+          <a:lstStyle/>
+          <a:p>
+            <a:r>
+              <a:rPr lang="en-US" sz="2000"/>
+              <a:t>Get Resource from GitHub</a:t>
+            </a:r>
+          </a:p>
+        </p:txBody>
+      </p:sp>
+      <p:sp>
+        <p:nvSpPr>
+          <p:cNvPr id="3" name="내용 개체 틀 2">
+            <a:extLst>
+              <a:ext uri="{FF2B5EF4-FFF2-40B4-BE49-F238E27FC236}">
+                <a16:creationId xmlns:a16="http://schemas.microsoft.com/office/drawing/2014/main" id="{7B2F8BA6-0E9B-4D0C-98AA-7A8598D891A1}"/>
+              </a:ext>
+            </a:extLst>
+          </p:cNvPr>
+          <p:cNvSpPr>
+            <a:spLocks noGrp="1"/>
+          </p:cNvSpPr>
+          <p:nvPr>
+            <p:ph idx="1"/>
+          </p:nvPr>
+        </p:nvSpPr>
+        <p:spPr>
+          <a:xfrm>
+            <a:off x="804670" y="2640692"/>
+            <a:ext cx="2696176" cy="1029971"/>
+          </a:xfrm>
+        </p:spPr>
+        <p:txBody>
+          <a:bodyPr>
+            <a:normAutofit/>
+          </a:bodyPr>
+          <a:lstStyle/>
+          <a:p>
+            <a:r>
+              <a:rPr lang="en-US" sz="1600" dirty="0"/>
+              <a:t>Visit GitHub</a:t>
+            </a:r>
+          </a:p>
+          <a:p>
+            <a:r>
+              <a:rPr lang="en-US" sz="1600" dirty="0"/>
+              <a:t>Download or Clone</a:t>
+            </a:r>
+          </a:p>
+        </p:txBody>
+      </p:sp>
+      <p:sp>
+        <p:nvSpPr>
+          <p:cNvPr id="8" name="슬라이드 번호 개체 틀 3">
+            <a:extLst>
+              <a:ext uri="{FF2B5EF4-FFF2-40B4-BE49-F238E27FC236}">
+                <a16:creationId xmlns:a16="http://schemas.microsoft.com/office/drawing/2014/main" id="{9CFF9E7D-2E95-40AE-B5F8-93F651FE76DD}"/>
+              </a:ext>
+            </a:extLst>
+          </p:cNvPr>
+          <p:cNvSpPr>
+            <a:spLocks noGrp="1"/>
+          </p:cNvSpPr>
+          <p:nvPr>
+            <p:ph type="sldNum" sz="quarter" idx="12"/>
+          </p:nvPr>
+        </p:nvSpPr>
+        <p:spPr>
+          <a:xfrm>
+            <a:off x="11704320" y="6400800"/>
+            <a:ext cx="365760" cy="365760"/>
+          </a:xfrm>
+        </p:spPr>
+        <p:txBody>
+          <a:bodyPr/>
+          <a:lstStyle/>
+          <a:p>
+            <a:fld id="{8B9A499C-E7AC-4E74-9635-A20519089A3A}" type="slidenum">
+              <a:rPr lang="en-US" smtClean="0"/>
+              <a:t>4</a:t>
+            </a:fld>
+            <a:endParaRPr lang="en-US" dirty="0"/>
+          </a:p>
+        </p:txBody>
+      </p:sp>
+    </p:spTree>
+    <p:extLst>
+      <p:ext uri="{BB962C8B-B14F-4D97-AF65-F5344CB8AC3E}">
+        <p14:creationId xmlns:p14="http://schemas.microsoft.com/office/powerpoint/2010/main" val="4026957693"/>
       </p:ext>
     </p:extLst>
   </p:cSld>

--- a/3-1 Git Workflow.pptx
+++ b/3-1 Git Workflow.pptx
@@ -204,7 +204,7 @@
           <a:p>
             <a:fld id="{82604E9E-60DE-417E-849E-2CDE7F357628}" type="datetimeFigureOut">
               <a:rPr lang="en-US" smtClean="0"/>
-              <a:t>7/27/2017</a:t>
+              <a:t>7/30/2017</a:t>
             </a:fld>
             <a:endParaRPr lang="en-US"/>
           </a:p>
@@ -1085,7 +1085,86 @@
             </a:r>
           </a:p>
           <a:p>
+            <a:pPr marL="0" marR="0" lvl="0" indent="0" algn="l" defTabSz="914400" rtl="0" eaLnBrk="1" fontAlgn="auto" latinLnBrk="0" hangingPunct="1">
+              <a:lnSpc>
+                <a:spcPct val="100000"/>
+              </a:lnSpc>
+              <a:spcBef>
+                <a:spcPts val="0"/>
+              </a:spcBef>
+              <a:spcAft>
+                <a:spcPts val="0"/>
+              </a:spcAft>
+              <a:buClrTx/>
+              <a:buSzTx/>
+              <a:buFontTx/>
+              <a:buNone/>
+              <a:tabLst/>
+              <a:defRPr/>
+            </a:pPr>
+            <a:r>
+              <a:rPr lang="en-US" dirty="0"/>
+              <a:t>What is API? (Application Program Interface)</a:t>
+            </a:r>
+          </a:p>
+          <a:p>
+            <a:pPr marL="0" marR="0" lvl="0" indent="0" algn="l" defTabSz="914400" rtl="0" eaLnBrk="1" fontAlgn="auto" latinLnBrk="0" hangingPunct="1">
+              <a:lnSpc>
+                <a:spcPct val="100000"/>
+              </a:lnSpc>
+              <a:spcBef>
+                <a:spcPts val="0"/>
+              </a:spcBef>
+              <a:spcAft>
+                <a:spcPts val="0"/>
+              </a:spcAft>
+              <a:buClrTx/>
+              <a:buSzTx/>
+              <a:buFontTx/>
+              <a:buNone/>
+              <a:tabLst/>
+              <a:defRPr/>
+            </a:pPr>
+            <a:r>
+              <a:rPr lang="en-US" dirty="0"/>
+              <a:t>Only </a:t>
+            </a:r>
+            <a:r>
+              <a:rPr lang="en-US"/>
+              <a:t>using the interface </a:t>
+            </a:r>
+            <a:r>
+              <a:rPr lang="en-US" dirty="0"/>
+              <a:t>of program made by some other </a:t>
+            </a:r>
+            <a:r>
+              <a:rPr lang="en-US"/>
+              <a:t>developers.</a:t>
+            </a:r>
             <a:endParaRPr lang="en-US" dirty="0"/>
+          </a:p>
+          <a:p>
+            <a:pPr marL="0" marR="0" lvl="0" indent="0" algn="l" defTabSz="914400" rtl="0" eaLnBrk="1" fontAlgn="auto" latinLnBrk="0" hangingPunct="1">
+              <a:lnSpc>
+                <a:spcPct val="100000"/>
+              </a:lnSpc>
+              <a:spcBef>
+                <a:spcPts val="0"/>
+              </a:spcBef>
+              <a:spcAft>
+                <a:spcPts val="0"/>
+              </a:spcAft>
+              <a:buClrTx/>
+              <a:buSzTx/>
+              <a:buFontTx/>
+              <a:buNone/>
+              <a:tabLst/>
+              <a:defRPr/>
+            </a:pPr>
+            <a:r>
+              <a:rPr lang="en-US" dirty="0"/>
+              <a:t>http://www.webopedia.com/TERM/A/API.html</a:t>
+            </a:r>
           </a:p>
         </p:txBody>
       </p:sp>
@@ -1288,7 +1367,7 @@
           <a:p>
             <a:fld id="{0D913C1F-5111-45C8-8646-4E60C4FCFD33}" type="datetime1">
               <a:rPr lang="en-US" smtClean="0"/>
-              <a:t>7/27/2017</a:t>
+              <a:t>7/30/2017</a:t>
             </a:fld>
             <a:endParaRPr lang="en-US"/>
           </a:p>
@@ -1463,7 +1542,7 @@
           <a:p>
             <a:fld id="{D3A57730-C926-45F0-9361-C8E6CC7EFAB1}" type="datetime1">
               <a:rPr lang="en-US" smtClean="0"/>
-              <a:t>7/27/2017</a:t>
+              <a:t>7/30/2017</a:t>
             </a:fld>
             <a:endParaRPr lang="en-US"/>
           </a:p>
@@ -1643,7 +1722,7 @@
           <a:p>
             <a:fld id="{72F94769-6EA4-484E-8E33-A5D2CCD7F3B4}" type="datetime1">
               <a:rPr lang="en-US" smtClean="0"/>
-              <a:t>7/27/2017</a:t>
+              <a:t>7/30/2017</a:t>
             </a:fld>
             <a:endParaRPr lang="en-US"/>
           </a:p>
@@ -1813,7 +1892,7 @@
           <a:p>
             <a:fld id="{875CDD8C-CF5A-4DB3-98F8-3A2639B39FE9}" type="datetime1">
               <a:rPr lang="en-US" smtClean="0"/>
-              <a:t>7/27/2017</a:t>
+              <a:t>7/30/2017</a:t>
             </a:fld>
             <a:endParaRPr lang="en-US"/>
           </a:p>
@@ -2081,7 +2160,7 @@
           <a:p>
             <a:fld id="{73567B6B-69B5-4721-8DDE-4EEC9B6DCE0D}" type="datetime1">
               <a:rPr lang="en-US" smtClean="0"/>
-              <a:t>7/27/2017</a:t>
+              <a:t>7/30/2017</a:t>
             </a:fld>
             <a:endParaRPr lang="en-US"/>
           </a:p>
@@ -2313,7 +2392,7 @@
           <a:p>
             <a:fld id="{98DD2B97-22CE-4922-9B75-1DD88489AFD6}" type="datetime1">
               <a:rPr lang="en-US" smtClean="0"/>
-              <a:t>7/27/2017</a:t>
+              <a:t>7/30/2017</a:t>
             </a:fld>
             <a:endParaRPr lang="en-US"/>
           </a:p>
@@ -2672,7 +2751,7 @@
           <a:p>
             <a:fld id="{71335CB9-B160-4C99-9B3C-64E62B2B8AA1}" type="datetime1">
               <a:rPr lang="en-US" smtClean="0"/>
-              <a:t>7/27/2017</a:t>
+              <a:t>7/30/2017</a:t>
             </a:fld>
             <a:endParaRPr lang="en-US"/>
           </a:p>
@@ -2813,7 +2892,7 @@
           <a:p>
             <a:fld id="{AB5FD2A9-980D-4792-8107-6837CF22CACC}" type="datetime1">
               <a:rPr lang="en-US" smtClean="0"/>
-              <a:t>7/27/2017</a:t>
+              <a:t>7/30/2017</a:t>
             </a:fld>
             <a:endParaRPr lang="en-US"/>
           </a:p>
@@ -2908,7 +2987,7 @@
           <a:p>
             <a:fld id="{AE49ADA3-5F6C-44F2-923F-B96DDB41268F}" type="datetime1">
               <a:rPr lang="en-US" smtClean="0"/>
-              <a:t>7/27/2017</a:t>
+              <a:t>7/30/2017</a:t>
             </a:fld>
             <a:endParaRPr lang="en-US"/>
           </a:p>
@@ -3265,7 +3344,7 @@
           <a:p>
             <a:fld id="{CD641920-CFA1-454E-AD47-3EEEB5605BD0}" type="datetime1">
               <a:rPr lang="en-US" smtClean="0"/>
-              <a:t>7/27/2017</a:t>
+              <a:t>7/30/2017</a:t>
             </a:fld>
             <a:endParaRPr lang="en-US"/>
           </a:p>
@@ -3622,7 +3701,7 @@
           <a:p>
             <a:fld id="{F3A5C466-8A77-4A43-A9E6-B875AC354BDD}" type="datetime1">
               <a:rPr lang="en-US" smtClean="0"/>
-              <a:t>7/27/2017</a:t>
+              <a:t>7/30/2017</a:t>
             </a:fld>
             <a:endParaRPr lang="en-US"/>
           </a:p>
@@ -3863,7 +3942,7 @@
           <a:p>
             <a:fld id="{8C1F079E-EE37-4F70-8A6F-71D0624FBE44}" type="datetime1">
               <a:rPr lang="en-US" smtClean="0"/>
-              <a:t>7/27/2017</a:t>
+              <a:t>7/30/2017</a:t>
             </a:fld>
             <a:endParaRPr lang="en-US"/>
           </a:p>
@@ -5101,12 +5180,20 @@
           <a:lstStyle/>
           <a:p>
             <a:r>
-              <a:rPr lang="en-US">
+              <a:rPr lang="en-US" dirty="0" err="1">
                 <a:solidFill>
                   <a:schemeClr val="bg1"/>
                 </a:solidFill>
               </a:rPr>
-              <a:t>Git Workflow</a:t>
+              <a:t>GitFlow</a:t>
+            </a:r>
+            <a:r>
+              <a:rPr lang="en-US" dirty="0">
+                <a:solidFill>
+                  <a:schemeClr val="bg1"/>
+                </a:solidFill>
+              </a:rPr>
+              <a:t> Workflow</a:t>
             </a:r>
           </a:p>
         </p:txBody>
@@ -5302,7 +5389,7 @@
         <p:spPr>
           <a:xfrm>
             <a:off x="804670" y="978776"/>
-            <a:ext cx="3044953" cy="1174991"/>
+            <a:ext cx="3044953" cy="1268035"/>
           </a:xfrm>
         </p:spPr>
         <p:txBody>
@@ -5312,7 +5399,7 @@
           <a:lstStyle/>
           <a:p>
             <a:r>
-              <a:rPr lang="en-US" sz="2000"/>
+              <a:rPr lang="en-US" sz="2000" dirty="0"/>
               <a:t>Get Resource from GitHub</a:t>
             </a:r>
           </a:p>
@@ -5337,7 +5424,7 @@
         <p:spPr>
           <a:xfrm>
             <a:off x="804670" y="2640692"/>
-            <a:ext cx="2696176" cy="1029971"/>
+            <a:ext cx="2696176" cy="1617799"/>
           </a:xfrm>
         </p:spPr>
         <p:txBody>
@@ -5355,6 +5442,18 @@
             <a:r>
               <a:rPr lang="en-US" sz="1600" dirty="0"/>
               <a:t>Download or Clone</a:t>
+            </a:r>
+          </a:p>
+          <a:p>
+            <a:r>
+              <a:rPr lang="en-US" sz="1600" dirty="0"/>
+              <a:t>No edit code</a:t>
+            </a:r>
+          </a:p>
+          <a:p>
+            <a:r>
+              <a:rPr lang="en-US" sz="1600" dirty="0"/>
+              <a:t>Copy all files to repository</a:t>
             </a:r>
           </a:p>
         </p:txBody>
